--- a/Aula_07_Pandas_Groupby/Aula_07.pptx
+++ b/Aula_07_Pandas_Groupby/Aula_07.pptx
@@ -5,10 +5,10 @@
     <p:sldMasterId id="2147483648" r:id="rId1"/>
   </p:sldMasterIdLst>
   <p:sldIdLst>
-    <p:sldId id="256" r:id="rId7"/>
-    <p:sldId id="257" r:id="rId8"/>
-    <p:sldId id="258" r:id="rId9"/>
-    <p:sldId id="259" r:id="rId10"/>
+    <p:sldId id="256" r:id="rId2"/>
+    <p:sldId id="257" r:id="rId3"/>
+    <p:sldId id="258" r:id="rId4"/>
+    <p:sldId id="259" r:id="rId5"/>
   </p:sldIdLst>
   <p:sldSz cx="9144000" cy="6858000" type="screen4x3"/>
   <p:notesSz cx="6858000" cy="9144000"/>
@@ -107,6 +107,22 @@
       </a:defRPr>
     </a:lvl9pPr>
   </p:defaultTextStyle>
+  <p:extLst>
+    <p:ext uri="{EFAFB233-063F-42B5-8137-9DF3F51BA10A}">
+      <p15:sldGuideLst xmlns:p15="http://schemas.microsoft.com/office/powerpoint/2012/main">
+        <p15:guide id="1" orient="horz" pos="2160">
+          <p15:clr>
+            <a:srgbClr val="A4A3A4"/>
+          </p15:clr>
+        </p15:guide>
+        <p15:guide id="2" pos="2880">
+          <p15:clr>
+            <a:srgbClr val="A4A3A4"/>
+          </p15:clr>
+        </p15:guide>
+      </p15:sldGuideLst>
+    </p:ext>
+  </p:extLst>
 </p:presentation>
 </file>
 
@@ -148,10 +164,9 @@
           <a:lstStyle/>
           <a:p>
             <a:r>
-              <a:rPr lang="en-US" smtClean="0"/>
+              <a:rPr lang="en-US"/>
               <a:t>Click to edit Master title style</a:t>
             </a:r>
-            <a:endParaRPr lang="en-US"/>
           </a:p>
         </p:txBody>
       </p:sp>
@@ -267,10 +282,9 @@
           </a:lstStyle>
           <a:p>
             <a:r>
-              <a:rPr lang="en-US" smtClean="0"/>
+              <a:rPr lang="en-US"/>
               <a:t>Click to edit Master subtitle style</a:t>
             </a:r>
-            <a:endParaRPr lang="en-US"/>
           </a:p>
         </p:txBody>
       </p:sp>
@@ -291,7 +305,7 @@
           <a:p>
             <a:fld id="{5BCAD085-E8A6-8845-BD4E-CB4CCA059FC4}" type="datetimeFigureOut">
               <a:rPr lang="en-US" smtClean="0"/>
-              <a:t>1/27/13</a:t>
+              <a:t>9/11/2025</a:t>
             </a:fld>
             <a:endParaRPr lang="en-US"/>
           </a:p>
@@ -333,7 +347,7 @@
           <a:p>
             <a:fld id="{C1FF6DA9-008F-8B48-92A6-B652298478BF}" type="slidenum">
               <a:rPr lang="en-US" smtClean="0"/>
-              <a:t>‹#›</a:t>
+              <a:t>‹nº›</a:t>
             </a:fld>
             <a:endParaRPr lang="en-US"/>
           </a:p>
@@ -385,10 +399,9 @@
           <a:lstStyle/>
           <a:p>
             <a:r>
-              <a:rPr lang="en-US" smtClean="0"/>
+              <a:rPr lang="en-US"/>
               <a:t>Click to edit Master title style</a:t>
             </a:r>
-            <a:endParaRPr lang="en-US"/>
           </a:p>
         </p:txBody>
       </p:sp>
@@ -409,38 +422,37 @@
           <a:p>
             <a:pPr lvl="0"/>
             <a:r>
-              <a:rPr lang="en-US" smtClean="0"/>
+              <a:rPr lang="en-US"/>
               <a:t>Click to edit Master text styles</a:t>
             </a:r>
           </a:p>
           <a:p>
             <a:pPr lvl="1"/>
             <a:r>
-              <a:rPr lang="en-US" smtClean="0"/>
+              <a:rPr lang="en-US"/>
               <a:t>Second level</a:t>
             </a:r>
           </a:p>
           <a:p>
             <a:pPr lvl="2"/>
             <a:r>
-              <a:rPr lang="en-US" smtClean="0"/>
+              <a:rPr lang="en-US"/>
               <a:t>Third level</a:t>
             </a:r>
           </a:p>
           <a:p>
             <a:pPr lvl="3"/>
             <a:r>
-              <a:rPr lang="en-US" smtClean="0"/>
+              <a:rPr lang="en-US"/>
               <a:t>Fourth level</a:t>
             </a:r>
           </a:p>
           <a:p>
             <a:pPr lvl="4"/>
             <a:r>
-              <a:rPr lang="en-US" smtClean="0"/>
+              <a:rPr lang="en-US"/>
               <a:t>Fifth level</a:t>
             </a:r>
-            <a:endParaRPr lang="en-US"/>
           </a:p>
         </p:txBody>
       </p:sp>
@@ -461,7 +473,7 @@
           <a:p>
             <a:fld id="{5BCAD085-E8A6-8845-BD4E-CB4CCA059FC4}" type="datetimeFigureOut">
               <a:rPr lang="en-US" smtClean="0"/>
-              <a:t>1/27/13</a:t>
+              <a:t>9/11/2025</a:t>
             </a:fld>
             <a:endParaRPr lang="en-US"/>
           </a:p>
@@ -503,7 +515,7 @@
           <a:p>
             <a:fld id="{C1FF6DA9-008F-8B48-92A6-B652298478BF}" type="slidenum">
               <a:rPr lang="en-US" smtClean="0"/>
-              <a:t>‹#›</a:t>
+              <a:t>‹nº›</a:t>
             </a:fld>
             <a:endParaRPr lang="en-US"/>
           </a:p>
@@ -560,10 +572,9 @@
           <a:lstStyle/>
           <a:p>
             <a:r>
-              <a:rPr lang="en-US" smtClean="0"/>
+              <a:rPr lang="en-US"/>
               <a:t>Click to edit Master title style</a:t>
             </a:r>
-            <a:endParaRPr lang="en-US"/>
           </a:p>
         </p:txBody>
       </p:sp>
@@ -589,38 +600,37 @@
           <a:p>
             <a:pPr lvl="0"/>
             <a:r>
-              <a:rPr lang="en-US" smtClean="0"/>
+              <a:rPr lang="en-US"/>
               <a:t>Click to edit Master text styles</a:t>
             </a:r>
           </a:p>
           <a:p>
             <a:pPr lvl="1"/>
             <a:r>
-              <a:rPr lang="en-US" smtClean="0"/>
+              <a:rPr lang="en-US"/>
               <a:t>Second level</a:t>
             </a:r>
           </a:p>
           <a:p>
             <a:pPr lvl="2"/>
             <a:r>
-              <a:rPr lang="en-US" smtClean="0"/>
+              <a:rPr lang="en-US"/>
               <a:t>Third level</a:t>
             </a:r>
           </a:p>
           <a:p>
             <a:pPr lvl="3"/>
             <a:r>
-              <a:rPr lang="en-US" smtClean="0"/>
+              <a:rPr lang="en-US"/>
               <a:t>Fourth level</a:t>
             </a:r>
           </a:p>
           <a:p>
             <a:pPr lvl="4"/>
             <a:r>
-              <a:rPr lang="en-US" smtClean="0"/>
+              <a:rPr lang="en-US"/>
               <a:t>Fifth level</a:t>
             </a:r>
-            <a:endParaRPr lang="en-US"/>
           </a:p>
         </p:txBody>
       </p:sp>
@@ -641,7 +651,7 @@
           <a:p>
             <a:fld id="{5BCAD085-E8A6-8845-BD4E-CB4CCA059FC4}" type="datetimeFigureOut">
               <a:rPr lang="en-US" smtClean="0"/>
-              <a:t>1/27/13</a:t>
+              <a:t>9/11/2025</a:t>
             </a:fld>
             <a:endParaRPr lang="en-US"/>
           </a:p>
@@ -683,7 +693,7 @@
           <a:p>
             <a:fld id="{C1FF6DA9-008F-8B48-92A6-B652298478BF}" type="slidenum">
               <a:rPr lang="en-US" smtClean="0"/>
-              <a:t>‹#›</a:t>
+              <a:t>‹nº›</a:t>
             </a:fld>
             <a:endParaRPr lang="en-US"/>
           </a:p>
@@ -735,10 +745,9 @@
           <a:lstStyle/>
           <a:p>
             <a:r>
-              <a:rPr lang="en-US" smtClean="0"/>
+              <a:rPr lang="en-US"/>
               <a:t>Click to edit Master title style</a:t>
             </a:r>
-            <a:endParaRPr lang="en-US"/>
           </a:p>
         </p:txBody>
       </p:sp>
@@ -759,38 +768,37 @@
           <a:p>
             <a:pPr lvl="0"/>
             <a:r>
-              <a:rPr lang="en-US" smtClean="0"/>
+              <a:rPr lang="en-US"/>
               <a:t>Click to edit Master text styles</a:t>
             </a:r>
           </a:p>
           <a:p>
             <a:pPr lvl="1"/>
             <a:r>
-              <a:rPr lang="en-US" smtClean="0"/>
+              <a:rPr lang="en-US"/>
               <a:t>Second level</a:t>
             </a:r>
           </a:p>
           <a:p>
             <a:pPr lvl="2"/>
             <a:r>
-              <a:rPr lang="en-US" smtClean="0"/>
+              <a:rPr lang="en-US"/>
               <a:t>Third level</a:t>
             </a:r>
           </a:p>
           <a:p>
             <a:pPr lvl="3"/>
             <a:r>
-              <a:rPr lang="en-US" smtClean="0"/>
+              <a:rPr lang="en-US"/>
               <a:t>Fourth level</a:t>
             </a:r>
           </a:p>
           <a:p>
             <a:pPr lvl="4"/>
             <a:r>
-              <a:rPr lang="en-US" smtClean="0"/>
+              <a:rPr lang="en-US"/>
               <a:t>Fifth level</a:t>
             </a:r>
-            <a:endParaRPr lang="en-US"/>
           </a:p>
         </p:txBody>
       </p:sp>
@@ -811,7 +819,7 @@
           <a:p>
             <a:fld id="{5BCAD085-E8A6-8845-BD4E-CB4CCA059FC4}" type="datetimeFigureOut">
               <a:rPr lang="en-US" smtClean="0"/>
-              <a:t>1/27/13</a:t>
+              <a:t>9/11/2025</a:t>
             </a:fld>
             <a:endParaRPr lang="en-US"/>
           </a:p>
@@ -853,7 +861,7 @@
           <a:p>
             <a:fld id="{C1FF6DA9-008F-8B48-92A6-B652298478BF}" type="slidenum">
               <a:rPr lang="en-US" smtClean="0"/>
-              <a:t>‹#›</a:t>
+              <a:t>‹nº›</a:t>
             </a:fld>
             <a:endParaRPr lang="en-US"/>
           </a:p>
@@ -914,10 +922,9 @@
           </a:lstStyle>
           <a:p>
             <a:r>
-              <a:rPr lang="en-US" smtClean="0"/>
+              <a:rPr lang="en-US"/>
               <a:t>Click to edit Master title style</a:t>
             </a:r>
-            <a:endParaRPr lang="en-US"/>
           </a:p>
         </p:txBody>
       </p:sp>
@@ -1034,7 +1041,7 @@
           <a:p>
             <a:pPr lvl="0"/>
             <a:r>
-              <a:rPr lang="en-US" smtClean="0"/>
+              <a:rPr lang="en-US"/>
               <a:t>Click to edit Master text styles</a:t>
             </a:r>
           </a:p>
@@ -1057,7 +1064,7 @@
           <a:p>
             <a:fld id="{5BCAD085-E8A6-8845-BD4E-CB4CCA059FC4}" type="datetimeFigureOut">
               <a:rPr lang="en-US" smtClean="0"/>
-              <a:t>1/27/13</a:t>
+              <a:t>9/11/2025</a:t>
             </a:fld>
             <a:endParaRPr lang="en-US"/>
           </a:p>
@@ -1099,7 +1106,7 @@
           <a:p>
             <a:fld id="{C1FF6DA9-008F-8B48-92A6-B652298478BF}" type="slidenum">
               <a:rPr lang="en-US" smtClean="0"/>
-              <a:t>‹#›</a:t>
+              <a:t>‹nº›</a:t>
             </a:fld>
             <a:endParaRPr lang="en-US"/>
           </a:p>
@@ -1151,10 +1158,9 @@
           <a:lstStyle/>
           <a:p>
             <a:r>
-              <a:rPr lang="en-US" smtClean="0"/>
+              <a:rPr lang="en-US"/>
               <a:t>Click to edit Master title style</a:t>
             </a:r>
-            <a:endParaRPr lang="en-US"/>
           </a:p>
         </p:txBody>
       </p:sp>
@@ -1208,38 +1214,37 @@
           <a:p>
             <a:pPr lvl="0"/>
             <a:r>
-              <a:rPr lang="en-US" smtClean="0"/>
+              <a:rPr lang="en-US"/>
               <a:t>Click to edit Master text styles</a:t>
             </a:r>
           </a:p>
           <a:p>
             <a:pPr lvl="1"/>
             <a:r>
-              <a:rPr lang="en-US" smtClean="0"/>
+              <a:rPr lang="en-US"/>
               <a:t>Second level</a:t>
             </a:r>
           </a:p>
           <a:p>
             <a:pPr lvl="2"/>
             <a:r>
-              <a:rPr lang="en-US" smtClean="0"/>
+              <a:rPr lang="en-US"/>
               <a:t>Third level</a:t>
             </a:r>
           </a:p>
           <a:p>
             <a:pPr lvl="3"/>
             <a:r>
-              <a:rPr lang="en-US" smtClean="0"/>
+              <a:rPr lang="en-US"/>
               <a:t>Fourth level</a:t>
             </a:r>
           </a:p>
           <a:p>
             <a:pPr lvl="4"/>
             <a:r>
-              <a:rPr lang="en-US" smtClean="0"/>
+              <a:rPr lang="en-US"/>
               <a:t>Fifth level</a:t>
             </a:r>
-            <a:endParaRPr lang="en-US"/>
           </a:p>
         </p:txBody>
       </p:sp>
@@ -1293,38 +1298,37 @@
           <a:p>
             <a:pPr lvl="0"/>
             <a:r>
-              <a:rPr lang="en-US" smtClean="0"/>
+              <a:rPr lang="en-US"/>
               <a:t>Click to edit Master text styles</a:t>
             </a:r>
           </a:p>
           <a:p>
             <a:pPr lvl="1"/>
             <a:r>
-              <a:rPr lang="en-US" smtClean="0"/>
+              <a:rPr lang="en-US"/>
               <a:t>Second level</a:t>
             </a:r>
           </a:p>
           <a:p>
             <a:pPr lvl="2"/>
             <a:r>
-              <a:rPr lang="en-US" smtClean="0"/>
+              <a:rPr lang="en-US"/>
               <a:t>Third level</a:t>
             </a:r>
           </a:p>
           <a:p>
             <a:pPr lvl="3"/>
             <a:r>
-              <a:rPr lang="en-US" smtClean="0"/>
+              <a:rPr lang="en-US"/>
               <a:t>Fourth level</a:t>
             </a:r>
           </a:p>
           <a:p>
             <a:pPr lvl="4"/>
             <a:r>
-              <a:rPr lang="en-US" smtClean="0"/>
+              <a:rPr lang="en-US"/>
               <a:t>Fifth level</a:t>
             </a:r>
-            <a:endParaRPr lang="en-US"/>
           </a:p>
         </p:txBody>
       </p:sp>
@@ -1345,7 +1349,7 @@
           <a:p>
             <a:fld id="{5BCAD085-E8A6-8845-BD4E-CB4CCA059FC4}" type="datetimeFigureOut">
               <a:rPr lang="en-US" smtClean="0"/>
-              <a:t>1/27/13</a:t>
+              <a:t>9/11/2025</a:t>
             </a:fld>
             <a:endParaRPr lang="en-US"/>
           </a:p>
@@ -1387,7 +1391,7 @@
           <a:p>
             <a:fld id="{C1FF6DA9-008F-8B48-92A6-B652298478BF}" type="slidenum">
               <a:rPr lang="en-US" smtClean="0"/>
-              <a:t>‹#›</a:t>
+              <a:t>‹nº›</a:t>
             </a:fld>
             <a:endParaRPr lang="en-US"/>
           </a:p>
@@ -1443,10 +1447,9 @@
           </a:lstStyle>
           <a:p>
             <a:r>
-              <a:rPr lang="en-US" smtClean="0"/>
+              <a:rPr lang="en-US"/>
               <a:t>Click to edit Master title style</a:t>
             </a:r>
-            <a:endParaRPr lang="en-US"/>
           </a:p>
         </p:txBody>
       </p:sp>
@@ -1509,7 +1512,7 @@
           <a:p>
             <a:pPr lvl="0"/>
             <a:r>
-              <a:rPr lang="en-US" smtClean="0"/>
+              <a:rPr lang="en-US"/>
               <a:t>Click to edit Master text styles</a:t>
             </a:r>
           </a:p>
@@ -1565,38 +1568,37 @@
           <a:p>
             <a:pPr lvl="0"/>
             <a:r>
-              <a:rPr lang="en-US" smtClean="0"/>
+              <a:rPr lang="en-US"/>
               <a:t>Click to edit Master text styles</a:t>
             </a:r>
           </a:p>
           <a:p>
             <a:pPr lvl="1"/>
             <a:r>
-              <a:rPr lang="en-US" smtClean="0"/>
+              <a:rPr lang="en-US"/>
               <a:t>Second level</a:t>
             </a:r>
           </a:p>
           <a:p>
             <a:pPr lvl="2"/>
             <a:r>
-              <a:rPr lang="en-US" smtClean="0"/>
+              <a:rPr lang="en-US"/>
               <a:t>Third level</a:t>
             </a:r>
           </a:p>
           <a:p>
             <a:pPr lvl="3"/>
             <a:r>
-              <a:rPr lang="en-US" smtClean="0"/>
+              <a:rPr lang="en-US"/>
               <a:t>Fourth level</a:t>
             </a:r>
           </a:p>
           <a:p>
             <a:pPr lvl="4"/>
             <a:r>
-              <a:rPr lang="en-US" smtClean="0"/>
+              <a:rPr lang="en-US"/>
               <a:t>Fifth level</a:t>
             </a:r>
-            <a:endParaRPr lang="en-US"/>
           </a:p>
         </p:txBody>
       </p:sp>
@@ -1659,7 +1661,7 @@
           <a:p>
             <a:pPr lvl="0"/>
             <a:r>
-              <a:rPr lang="en-US" smtClean="0"/>
+              <a:rPr lang="en-US"/>
               <a:t>Click to edit Master text styles</a:t>
             </a:r>
           </a:p>
@@ -1715,38 +1717,37 @@
           <a:p>
             <a:pPr lvl="0"/>
             <a:r>
-              <a:rPr lang="en-US" smtClean="0"/>
+              <a:rPr lang="en-US"/>
               <a:t>Click to edit Master text styles</a:t>
             </a:r>
           </a:p>
           <a:p>
             <a:pPr lvl="1"/>
             <a:r>
-              <a:rPr lang="en-US" smtClean="0"/>
+              <a:rPr lang="en-US"/>
               <a:t>Second level</a:t>
             </a:r>
           </a:p>
           <a:p>
             <a:pPr lvl="2"/>
             <a:r>
-              <a:rPr lang="en-US" smtClean="0"/>
+              <a:rPr lang="en-US"/>
               <a:t>Third level</a:t>
             </a:r>
           </a:p>
           <a:p>
             <a:pPr lvl="3"/>
             <a:r>
-              <a:rPr lang="en-US" smtClean="0"/>
+              <a:rPr lang="en-US"/>
               <a:t>Fourth level</a:t>
             </a:r>
           </a:p>
           <a:p>
             <a:pPr lvl="4"/>
             <a:r>
-              <a:rPr lang="en-US" smtClean="0"/>
+              <a:rPr lang="en-US"/>
               <a:t>Fifth level</a:t>
             </a:r>
-            <a:endParaRPr lang="en-US"/>
           </a:p>
         </p:txBody>
       </p:sp>
@@ -1767,7 +1768,7 @@
           <a:p>
             <a:fld id="{5BCAD085-E8A6-8845-BD4E-CB4CCA059FC4}" type="datetimeFigureOut">
               <a:rPr lang="en-US" smtClean="0"/>
-              <a:t>1/27/13</a:t>
+              <a:t>9/11/2025</a:t>
             </a:fld>
             <a:endParaRPr lang="en-US"/>
           </a:p>
@@ -1809,7 +1810,7 @@
           <a:p>
             <a:fld id="{C1FF6DA9-008F-8B48-92A6-B652298478BF}" type="slidenum">
               <a:rPr lang="en-US" smtClean="0"/>
-              <a:t>‹#›</a:t>
+              <a:t>‹nº›</a:t>
             </a:fld>
             <a:endParaRPr lang="en-US"/>
           </a:p>
@@ -1861,10 +1862,9 @@
           <a:lstStyle/>
           <a:p>
             <a:r>
-              <a:rPr lang="en-US" smtClean="0"/>
+              <a:rPr lang="en-US"/>
               <a:t>Click to edit Master title style</a:t>
             </a:r>
-            <a:endParaRPr lang="en-US"/>
           </a:p>
         </p:txBody>
       </p:sp>
@@ -1885,7 +1885,7 @@
           <a:p>
             <a:fld id="{5BCAD085-E8A6-8845-BD4E-CB4CCA059FC4}" type="datetimeFigureOut">
               <a:rPr lang="en-US" smtClean="0"/>
-              <a:t>1/27/13</a:t>
+              <a:t>9/11/2025</a:t>
             </a:fld>
             <a:endParaRPr lang="en-US"/>
           </a:p>
@@ -1927,7 +1927,7 @@
           <a:p>
             <a:fld id="{C1FF6DA9-008F-8B48-92A6-B652298478BF}" type="slidenum">
               <a:rPr lang="en-US" smtClean="0"/>
-              <a:t>‹#›</a:t>
+              <a:t>‹nº›</a:t>
             </a:fld>
             <a:endParaRPr lang="en-US"/>
           </a:p>
@@ -1980,7 +1980,7 @@
           <a:p>
             <a:fld id="{5BCAD085-E8A6-8845-BD4E-CB4CCA059FC4}" type="datetimeFigureOut">
               <a:rPr lang="en-US" smtClean="0"/>
-              <a:t>1/27/13</a:t>
+              <a:t>9/11/2025</a:t>
             </a:fld>
             <a:endParaRPr lang="en-US"/>
           </a:p>
@@ -2022,7 +2022,7 @@
           <a:p>
             <a:fld id="{C1FF6DA9-008F-8B48-92A6-B652298478BF}" type="slidenum">
               <a:rPr lang="en-US" smtClean="0"/>
-              <a:t>‹#›</a:t>
+              <a:t>‹nº›</a:t>
             </a:fld>
             <a:endParaRPr lang="en-US"/>
           </a:p>
@@ -2083,10 +2083,9 @@
           </a:lstStyle>
           <a:p>
             <a:r>
-              <a:rPr lang="en-US" smtClean="0"/>
+              <a:rPr lang="en-US"/>
               <a:t>Click to edit Master title style</a:t>
             </a:r>
-            <a:endParaRPr lang="en-US"/>
           </a:p>
         </p:txBody>
       </p:sp>
@@ -2140,38 +2139,37 @@
           <a:p>
             <a:pPr lvl="0"/>
             <a:r>
-              <a:rPr lang="en-US" smtClean="0"/>
+              <a:rPr lang="en-US"/>
               <a:t>Click to edit Master text styles</a:t>
             </a:r>
           </a:p>
           <a:p>
             <a:pPr lvl="1"/>
             <a:r>
-              <a:rPr lang="en-US" smtClean="0"/>
+              <a:rPr lang="en-US"/>
               <a:t>Second level</a:t>
             </a:r>
           </a:p>
           <a:p>
             <a:pPr lvl="2"/>
             <a:r>
-              <a:rPr lang="en-US" smtClean="0"/>
+              <a:rPr lang="en-US"/>
               <a:t>Third level</a:t>
             </a:r>
           </a:p>
           <a:p>
             <a:pPr lvl="3"/>
             <a:r>
-              <a:rPr lang="en-US" smtClean="0"/>
+              <a:rPr lang="en-US"/>
               <a:t>Fourth level</a:t>
             </a:r>
           </a:p>
           <a:p>
             <a:pPr lvl="4"/>
             <a:r>
-              <a:rPr lang="en-US" smtClean="0"/>
+              <a:rPr lang="en-US"/>
               <a:t>Fifth level</a:t>
             </a:r>
-            <a:endParaRPr lang="en-US"/>
           </a:p>
         </p:txBody>
       </p:sp>
@@ -2234,7 +2232,7 @@
           <a:p>
             <a:pPr lvl="0"/>
             <a:r>
-              <a:rPr lang="en-US" smtClean="0"/>
+              <a:rPr lang="en-US"/>
               <a:t>Click to edit Master text styles</a:t>
             </a:r>
           </a:p>
@@ -2257,7 +2255,7 @@
           <a:p>
             <a:fld id="{5BCAD085-E8A6-8845-BD4E-CB4CCA059FC4}" type="datetimeFigureOut">
               <a:rPr lang="en-US" smtClean="0"/>
-              <a:t>1/27/13</a:t>
+              <a:t>9/11/2025</a:t>
             </a:fld>
             <a:endParaRPr lang="en-US"/>
           </a:p>
@@ -2299,7 +2297,7 @@
           <a:p>
             <a:fld id="{C1FF6DA9-008F-8B48-92A6-B652298478BF}" type="slidenum">
               <a:rPr lang="en-US" smtClean="0"/>
-              <a:t>‹#›</a:t>
+              <a:t>‹nº›</a:t>
             </a:fld>
             <a:endParaRPr lang="en-US"/>
           </a:p>
@@ -2360,10 +2358,9 @@
           </a:lstStyle>
           <a:p>
             <a:r>
-              <a:rPr lang="en-US" smtClean="0"/>
+              <a:rPr lang="en-US"/>
               <a:t>Click to edit Master title style</a:t>
             </a:r>
-            <a:endParaRPr lang="en-US"/>
           </a:p>
         </p:txBody>
       </p:sp>
@@ -2487,7 +2484,7 @@
           <a:p>
             <a:pPr lvl="0"/>
             <a:r>
-              <a:rPr lang="en-US" smtClean="0"/>
+              <a:rPr lang="en-US"/>
               <a:t>Click to edit Master text styles</a:t>
             </a:r>
           </a:p>
@@ -2510,7 +2507,7 @@
           <a:p>
             <a:fld id="{5BCAD085-E8A6-8845-BD4E-CB4CCA059FC4}" type="datetimeFigureOut">
               <a:rPr lang="en-US" smtClean="0"/>
-              <a:t>1/27/13</a:t>
+              <a:t>9/11/2025</a:t>
             </a:fld>
             <a:endParaRPr lang="en-US"/>
           </a:p>
@@ -2552,7 +2549,7 @@
           <a:p>
             <a:fld id="{C1FF6DA9-008F-8B48-92A6-B652298478BF}" type="slidenum">
               <a:rPr lang="en-US" smtClean="0"/>
-              <a:t>‹#›</a:t>
+              <a:t>‹nº›</a:t>
             </a:fld>
             <a:endParaRPr lang="en-US"/>
           </a:p>
@@ -2619,10 +2616,9 @@
           <a:lstStyle/>
           <a:p>
             <a:r>
-              <a:rPr lang="en-US" smtClean="0"/>
+              <a:rPr lang="en-US"/>
               <a:t>Click to edit Master title style</a:t>
             </a:r>
-            <a:endParaRPr lang="en-US"/>
           </a:p>
         </p:txBody>
       </p:sp>
@@ -2653,38 +2649,37 @@
           <a:p>
             <a:pPr lvl="0"/>
             <a:r>
-              <a:rPr lang="en-US" smtClean="0"/>
+              <a:rPr lang="en-US"/>
               <a:t>Click to edit Master text styles</a:t>
             </a:r>
           </a:p>
           <a:p>
             <a:pPr lvl="1"/>
             <a:r>
-              <a:rPr lang="en-US" smtClean="0"/>
+              <a:rPr lang="en-US"/>
               <a:t>Second level</a:t>
             </a:r>
           </a:p>
           <a:p>
             <a:pPr lvl="2"/>
             <a:r>
-              <a:rPr lang="en-US" smtClean="0"/>
+              <a:rPr lang="en-US"/>
               <a:t>Third level</a:t>
             </a:r>
           </a:p>
           <a:p>
             <a:pPr lvl="3"/>
             <a:r>
-              <a:rPr lang="en-US" smtClean="0"/>
+              <a:rPr lang="en-US"/>
               <a:t>Fourth level</a:t>
             </a:r>
           </a:p>
           <a:p>
             <a:pPr lvl="4"/>
             <a:r>
-              <a:rPr lang="en-US" smtClean="0"/>
+              <a:rPr lang="en-US"/>
               <a:t>Fifth level</a:t>
             </a:r>
-            <a:endParaRPr lang="en-US"/>
           </a:p>
         </p:txBody>
       </p:sp>
@@ -2723,7 +2718,7 @@
           <a:p>
             <a:fld id="{5BCAD085-E8A6-8845-BD4E-CB4CCA059FC4}" type="datetimeFigureOut">
               <a:rPr lang="en-US" smtClean="0"/>
-              <a:t>1/27/13</a:t>
+              <a:t>9/11/2025</a:t>
             </a:fld>
             <a:endParaRPr lang="en-US"/>
           </a:p>
@@ -2801,7 +2796,7 @@
           <a:p>
             <a:fld id="{C1FF6DA9-008F-8B48-92A6-B652298478BF}" type="slidenum">
               <a:rPr lang="en-US" smtClean="0"/>
-              <a:t>‹#›</a:t>
+              <a:t>‹nº›</a:t>
             </a:fld>
             <a:endParaRPr lang="en-US"/>
           </a:p>
@@ -3082,7 +3077,7 @@
 </file>
 
 <file path=ppt/slides/slide1.xml><?xml version="1.0" encoding="utf-8"?>
-<p:sld xmlns:a="http://schemas.openxmlformats.org/drawingml/2006/main" xmlns:p="http://schemas.openxmlformats.org/presentationml/2006/main" xmlns:r="http://schemas.openxmlformats.org/officeDocument/2006/relationships">
+<p:sld xmlns:a="http://schemas.openxmlformats.org/drawingml/2006/main" xmlns:r="http://schemas.openxmlformats.org/officeDocument/2006/relationships" xmlns:p="http://schemas.openxmlformats.org/presentationml/2006/main">
   <p:cSld>
     <p:spTree>
       <p:nvGrpSpPr>
@@ -3090,7 +3085,14 @@
         <p:cNvGrpSpPr/>
         <p:nvPr/>
       </p:nvGrpSpPr>
-      <p:grpSpPr/>
+      <p:grpSpPr>
+        <a:xfrm>
+          <a:off x="0" y="0"/>
+          <a:ext cx="0" cy="0"/>
+          <a:chOff x="0" y="0"/>
+          <a:chExt cx="0" cy="0"/>
+        </a:xfrm>
+      </p:grpSpPr>
       <p:sp>
         <p:nvSpPr>
           <p:cNvPr id="2" name="Title 1"/>
@@ -3142,7 +3144,7 @@
 </file>
 
 <file path=ppt/slides/slide2.xml><?xml version="1.0" encoding="utf-8"?>
-<p:sld xmlns:a="http://schemas.openxmlformats.org/drawingml/2006/main" xmlns:p="http://schemas.openxmlformats.org/presentationml/2006/main" xmlns:r="http://schemas.openxmlformats.org/officeDocument/2006/relationships">
+<p:sld xmlns:a="http://schemas.openxmlformats.org/drawingml/2006/main" xmlns:r="http://schemas.openxmlformats.org/officeDocument/2006/relationships" xmlns:p="http://schemas.openxmlformats.org/presentationml/2006/main">
   <p:cSld>
     <p:spTree>
       <p:nvGrpSpPr>
@@ -3150,7 +3152,14 @@
         <p:cNvGrpSpPr/>
         <p:nvPr/>
       </p:nvGrpSpPr>
-      <p:grpSpPr/>
+      <p:grpSpPr>
+        <a:xfrm>
+          <a:off x="0" y="0"/>
+          <a:ext cx="0" cy="0"/>
+          <a:chOff x="0" y="0"/>
+          <a:chExt cx="0" cy="0"/>
+        </a:xfrm>
+      </p:grpSpPr>
       <p:sp>
         <p:nvSpPr>
           <p:cNvPr id="2" name="Title 1"/>
@@ -3207,7 +3216,7 @@
 </file>
 
 <file path=ppt/slides/slide3.xml><?xml version="1.0" encoding="utf-8"?>
-<p:sld xmlns:a="http://schemas.openxmlformats.org/drawingml/2006/main" xmlns:p="http://schemas.openxmlformats.org/presentationml/2006/main" xmlns:r="http://schemas.openxmlformats.org/officeDocument/2006/relationships">
+<p:sld xmlns:a="http://schemas.openxmlformats.org/drawingml/2006/main" xmlns:r="http://schemas.openxmlformats.org/officeDocument/2006/relationships" xmlns:p="http://schemas.openxmlformats.org/presentationml/2006/main">
   <p:cSld>
     <p:spTree>
       <p:nvGrpSpPr>
@@ -3215,7 +3224,14 @@
         <p:cNvGrpSpPr/>
         <p:nvPr/>
       </p:nvGrpSpPr>
-      <p:grpSpPr/>
+      <p:grpSpPr>
+        <a:xfrm>
+          <a:off x="0" y="0"/>
+          <a:ext cx="0" cy="0"/>
+          <a:chOff x="0" y="0"/>
+          <a:chExt cx="0" cy="0"/>
+        </a:xfrm>
+      </p:grpSpPr>
       <p:sp>
         <p:nvSpPr>
           <p:cNvPr id="2" name="Title 1"/>
@@ -3267,7 +3283,7 @@
 </file>
 
 <file path=ppt/slides/slide4.xml><?xml version="1.0" encoding="utf-8"?>
-<p:sld xmlns:a="http://schemas.openxmlformats.org/drawingml/2006/main" xmlns:p="http://schemas.openxmlformats.org/presentationml/2006/main" xmlns:r="http://schemas.openxmlformats.org/officeDocument/2006/relationships">
+<p:sld xmlns:a="http://schemas.openxmlformats.org/drawingml/2006/main" xmlns:r="http://schemas.openxmlformats.org/officeDocument/2006/relationships" xmlns:p="http://schemas.openxmlformats.org/presentationml/2006/main">
   <p:cSld>
     <p:spTree>
       <p:nvGrpSpPr>
@@ -3275,7 +3291,14 @@
         <p:cNvGrpSpPr/>
         <p:nvPr/>
       </p:nvGrpSpPr>
-      <p:grpSpPr/>
+      <p:grpSpPr>
+        <a:xfrm>
+          <a:off x="0" y="0"/>
+          <a:ext cx="0" cy="0"/>
+          <a:chOff x="0" y="0"/>
+          <a:chExt cx="0" cy="0"/>
+        </a:xfrm>
+      </p:grpSpPr>
       <p:sp>
         <p:nvSpPr>
           <p:cNvPr id="2" name="Title 1"/>
